--- a/translations/pt-br/advanced/DataLoggingTurns.pptx
+++ b/translations/pt-br/advanced/DataLoggingTurns.pptx
@@ -221,7 +221,7 @@
           <a:p>
             <a:fld id="{E354B44E-40A3-0E46-B16A-9BF1250A248B}" type="datetimeFigureOut">
               <a:rPr lang="en-US" smtClean="0"/>
-              <a:t>11/1/2015</a:t>
+              <a:t>11/12/2015</a:t>
             </a:fld>
             <a:endParaRPr lang="en-US"/>
           </a:p>
@@ -287,7 +287,7 @@
           <a:p>
             <a:fld id="{ACDF1604-CF25-2840-A4A3-96CDE3604995}" type="slidenum">
               <a:rPr lang="en-US" smtClean="0"/>
-              <a:t>‹nº›</a:t>
+              <a:t>‹#›</a:t>
             </a:fld>
             <a:endParaRPr lang="en-US"/>
           </a:p>
@@ -387,7 +387,7 @@
           <a:p>
             <a:fld id="{C86AD16C-2DB4-6642-BAD4-9ED973A087A0}" type="datetimeFigureOut">
               <a:rPr lang="en-US" smtClean="0"/>
-              <a:t>11/1/2015</a:t>
+              <a:t>11/12/2015</a:t>
             </a:fld>
             <a:endParaRPr lang="en-US"/>
           </a:p>
@@ -546,7 +546,7 @@
           <a:p>
             <a:fld id="{1E5BF589-3978-3C45-966B-D7B7A71F2A02}" type="slidenum">
               <a:rPr lang="en-US" smtClean="0"/>
-              <a:t>‹nº›</a:t>
+              <a:t>‹#›</a:t>
             </a:fld>
             <a:endParaRPr lang="en-US"/>
           </a:p>
@@ -858,7 +858,7 @@
           <a:p>
             <a:fld id="{CDF7A0A8-2FFD-754D-9352-EE992FBB2942}" type="datetime1">
               <a:rPr lang="en-US" smtClean="0"/>
-              <a:t>11/1/2015</a:t>
+              <a:t>11/12/2015</a:t>
             </a:fld>
             <a:endParaRPr lang="en-US"/>
           </a:p>
@@ -904,7 +904,7 @@
           <a:p>
             <a:fld id="{7F5CE407-6216-4202-80E4-A30DC2F709B2}" type="slidenum">
               <a:rPr lang="en-US" smtClean="0"/>
-              <a:t>‹nº›</a:t>
+              <a:t>‹#›</a:t>
             </a:fld>
             <a:endParaRPr lang="en-US"/>
           </a:p>
@@ -1478,7 +1478,7 @@
           <a:p>
             <a:fld id="{C664221C-4313-7141-AF75-47EF41327C46}" type="datetime1">
               <a:rPr lang="en-US" smtClean="0"/>
-              <a:t>11/1/2015</a:t>
+              <a:t>11/12/2015</a:t>
             </a:fld>
             <a:endParaRPr lang="en-US" dirty="0"/>
           </a:p>
@@ -1524,7 +1524,7 @@
           <a:p>
             <a:fld id="{4382A7F7-08BF-4252-8141-63FB96055BBB}" type="slidenum">
               <a:rPr lang="en-US" smtClean="0"/>
-              <a:t>‹nº›</a:t>
+              <a:t>‹#›</a:t>
             </a:fld>
             <a:endParaRPr lang="en-US"/>
           </a:p>
@@ -2306,7 +2306,7 @@
           <a:p>
             <a:fld id="{AC2AAB0C-F312-F643-B130-87B62055D109}" type="datetime1">
               <a:rPr lang="en-US" smtClean="0"/>
-              <a:t>11/1/2015</a:t>
+              <a:t>11/12/2015</a:t>
             </a:fld>
             <a:endParaRPr lang="en-US" dirty="0"/>
           </a:p>
@@ -2352,7 +2352,7 @@
           <a:p>
             <a:fld id="{4382A7F7-08BF-4252-8141-63FB96055BBB}" type="slidenum">
               <a:rPr lang="en-US" smtClean="0"/>
-              <a:t>‹nº›</a:t>
+              <a:t>‹#›</a:t>
             </a:fld>
             <a:endParaRPr lang="en-US"/>
           </a:p>
@@ -2828,7 +2828,7 @@
           <a:p>
             <a:fld id="{4924E8FD-5EA4-9C4F-9DB7-B6D8EBBD57C7}" type="datetime1">
               <a:rPr lang="en-US" smtClean="0"/>
-              <a:t>11/1/2015</a:t>
+              <a:t>11/12/2015</a:t>
             </a:fld>
             <a:endParaRPr lang="en-US"/>
           </a:p>
@@ -2874,7 +2874,7 @@
           <a:p>
             <a:fld id="{4382A7F7-08BF-4252-8141-63FB96055BBB}" type="slidenum">
               <a:rPr lang="en-US" smtClean="0"/>
-              <a:t>‹nº›</a:t>
+              <a:t>‹#›</a:t>
             </a:fld>
             <a:endParaRPr lang="en-US"/>
           </a:p>
@@ -3072,7 +3072,7 @@
           <a:p>
             <a:fld id="{5FD489D9-5EF4-C741-9968-FA643669CBA9}" type="datetime1">
               <a:rPr lang="en-US" smtClean="0"/>
-              <a:t>11/1/2015</a:t>
+              <a:t>11/12/2015</a:t>
             </a:fld>
             <a:endParaRPr lang="en-US"/>
           </a:p>
@@ -3118,7 +3118,7 @@
           <a:p>
             <a:fld id="{4382A7F7-08BF-4252-8141-63FB96055BBB}" type="slidenum">
               <a:rPr lang="en-US" smtClean="0"/>
-              <a:t>‹nº›</a:t>
+              <a:t>‹#›</a:t>
             </a:fld>
             <a:endParaRPr lang="en-US"/>
           </a:p>
@@ -3610,7 +3610,7 @@
           <a:p>
             <a:fld id="{A7AB5D98-EC6D-7B43-806B-A98C1FD4F891}" type="datetime1">
               <a:rPr lang="en-US" smtClean="0"/>
-              <a:t>11/1/2015</a:t>
+              <a:t>11/12/2015</a:t>
             </a:fld>
             <a:endParaRPr lang="en-US"/>
           </a:p>
@@ -3656,7 +3656,7 @@
           <a:p>
             <a:fld id="{4382A7F7-08BF-4252-8141-63FB96055BBB}" type="slidenum">
               <a:rPr lang="en-US" smtClean="0"/>
-              <a:t>‹nº›</a:t>
+              <a:t>‹#›</a:t>
             </a:fld>
             <a:endParaRPr lang="en-US"/>
           </a:p>
@@ -3756,7 +3756,7 @@
           <a:p>
             <a:fld id="{8BB2119A-5D1E-AB4C-9897-F95A82040425}" type="datetime1">
               <a:rPr lang="en-US" smtClean="0"/>
-              <a:t>11/1/2015</a:t>
+              <a:t>11/12/2015</a:t>
             </a:fld>
             <a:endParaRPr lang="en-US"/>
           </a:p>
@@ -3802,7 +3802,7 @@
           <a:p>
             <a:fld id="{7F5CE407-6216-4202-80E4-A30DC2F709B2}" type="slidenum">
               <a:rPr lang="en-US" smtClean="0"/>
-              <a:t>‹nº›</a:t>
+              <a:t>‹#›</a:t>
             </a:fld>
             <a:endParaRPr lang="en-US"/>
           </a:p>
@@ -4626,7 +4626,7 @@
           <a:p>
             <a:fld id="{C470725A-B50A-F041-AC9B-E0B780078167}" type="datetime1">
               <a:rPr lang="en-US" smtClean="0"/>
-              <a:t>11/1/2015</a:t>
+              <a:t>11/12/2015</a:t>
             </a:fld>
             <a:endParaRPr lang="en-US"/>
           </a:p>
@@ -4672,7 +4672,7 @@
           <a:p>
             <a:fld id="{162F1D00-BD13-4404-86B0-79703945A0A7}" type="slidenum">
               <a:rPr lang="en-US" smtClean="0"/>
-              <a:t>‹nº›</a:t>
+              <a:t>‹#›</a:t>
             </a:fld>
             <a:endParaRPr lang="en-US"/>
           </a:p>
@@ -4760,7 +4760,7 @@
           <a:p>
             <a:fld id="{066493AB-CAA8-D141-A450-E4B927468956}" type="datetime1">
               <a:rPr lang="en-US" smtClean="0"/>
-              <a:t>11/1/2015</a:t>
+              <a:t>11/12/2015</a:t>
             </a:fld>
             <a:endParaRPr lang="en-US" dirty="0"/>
           </a:p>
@@ -4783,7 +4783,7 @@
           <a:p>
             <a:fld id="{4382A7F7-08BF-4252-8141-63FB96055BBB}" type="slidenum">
               <a:rPr lang="en-US" smtClean="0"/>
-              <a:t>‹nº›</a:t>
+              <a:t>‹#›</a:t>
             </a:fld>
             <a:endParaRPr lang="en-US"/>
           </a:p>
@@ -5481,7 +5481,7 @@
           <a:p>
             <a:fld id="{98EAF71D-AEB3-064D-81A4-6DB7A005A7FB}" type="datetime1">
               <a:rPr lang="en-US" smtClean="0"/>
-              <a:t>11/1/2015</a:t>
+              <a:t>11/12/2015</a:t>
             </a:fld>
             <a:endParaRPr lang="en-US"/>
           </a:p>
@@ -5504,7 +5504,7 @@
           <a:p>
             <a:fld id="{4382A7F7-08BF-4252-8141-63FB96055BBB}" type="slidenum">
               <a:rPr lang="en-US" smtClean="0"/>
-              <a:t>‹nº›</a:t>
+              <a:t>‹#›</a:t>
             </a:fld>
             <a:endParaRPr lang="en-US"/>
           </a:p>
@@ -6119,7 +6119,7 @@
           <a:p>
             <a:fld id="{E18AD9E5-0276-4248-9F13-591AE022ADEE}" type="datetime1">
               <a:rPr lang="en-US" smtClean="0"/>
-              <a:t>11/1/2015</a:t>
+              <a:t>11/12/2015</a:t>
             </a:fld>
             <a:endParaRPr lang="en-US"/>
           </a:p>
@@ -6165,7 +6165,7 @@
           <a:p>
             <a:fld id="{4382A7F7-08BF-4252-8141-63FB96055BBB}" type="slidenum">
               <a:rPr lang="en-US" smtClean="0"/>
-              <a:t>‹nº›</a:t>
+              <a:t>‹#›</a:t>
             </a:fld>
             <a:endParaRPr lang="en-US"/>
           </a:p>
@@ -6448,7 +6448,7 @@
           <a:p>
             <a:fld id="{22B66FFE-8476-9C49-A02A-F00AF5008E8D}" type="datetime1">
               <a:rPr lang="en-US" smtClean="0"/>
-              <a:t>11/1/2015</a:t>
+              <a:t>11/12/2015</a:t>
             </a:fld>
             <a:endParaRPr lang="en-US"/>
           </a:p>
@@ -6494,7 +6494,7 @@
           <a:p>
             <a:fld id="{4382A7F7-08BF-4252-8141-63FB96055BBB}" type="slidenum">
               <a:rPr lang="en-US" smtClean="0"/>
-              <a:t>‹nº›</a:t>
+              <a:t>‹#›</a:t>
             </a:fld>
             <a:endParaRPr lang="en-US"/>
           </a:p>
@@ -7083,7 +7083,7 @@
           <a:p>
             <a:fld id="{AAE3067A-1DDF-6F49-A932-6E3C00B87278}" type="datetime1">
               <a:rPr lang="en-US" smtClean="0"/>
-              <a:t>11/1/2015</a:t>
+              <a:t>11/12/2015</a:t>
             </a:fld>
             <a:endParaRPr lang="en-US"/>
           </a:p>
@@ -7129,7 +7129,7 @@
           <a:p>
             <a:fld id="{4382A7F7-08BF-4252-8141-63FB96055BBB}" type="slidenum">
               <a:rPr lang="en-US" smtClean="0"/>
-              <a:t>‹nº›</a:t>
+              <a:t>‹#›</a:t>
             </a:fld>
             <a:endParaRPr lang="en-US"/>
           </a:p>
@@ -7269,7 +7269,7 @@
           <a:p>
             <a:fld id="{843F3092-9268-7547-8C25-0171E7E04DA2}" type="datetime1">
               <a:rPr lang="en-US" smtClean="0"/>
-              <a:t>11/1/2015</a:t>
+              <a:t>11/12/2015</a:t>
             </a:fld>
             <a:endParaRPr lang="en-US" dirty="0"/>
           </a:p>
@@ -7352,7 +7352,7 @@
           <a:p>
             <a:fld id="{4382A7F7-08BF-4252-8141-63FB96055BBB}" type="slidenum">
               <a:rPr lang="en-US" smtClean="0"/>
-              <a:t>‹nº›</a:t>
+              <a:t>‹#›</a:t>
             </a:fld>
             <a:endParaRPr lang="en-US"/>
           </a:p>
@@ -7923,7 +7923,7 @@
           <a:noFill/>
           <a:extLst>
             <a:ext uri="{909E8E84-426E-40dd-AFC4-6F175D3DCCD1}">
-              <a14:hiddenFill xmlns:a14="http://schemas.microsoft.com/office/drawing/2010/main" xmlns="">
+              <a14:hiddenFill xmlns="" xmlns:a14="http://schemas.microsoft.com/office/drawing/2010/main">
                 <a:solidFill>
                   <a:srgbClr val="FFFFFF"/>
                 </a:solidFill>
@@ -8215,34 +8215,6 @@
           </a:p>
         </p:txBody>
       </p:sp>
-      <p:sp>
-        <p:nvSpPr>
-          <p:cNvPr id="6" name="Retângulo 5"/>
-          <p:cNvSpPr/>
-          <p:nvPr/>
-        </p:nvSpPr>
-        <p:spPr>
-          <a:xfrm>
-            <a:off x="329321" y="5805606"/>
-            <a:ext cx="4572000" cy="646331"/>
-          </a:xfrm>
-          <a:prstGeom prst="rect">
-            <a:avLst/>
-          </a:prstGeom>
-        </p:spPr>
-        <p:txBody>
-          <a:bodyPr>
-            <a:spAutoFit/>
-          </a:bodyPr>
-          <a:lstStyle/>
-          <a:p>
-            <a:r>
-              <a:rPr lang="pt-BR" dirty="0"/>
-              <a:t>Esta lição foi traduzida para português pela Equipe TILT.</a:t>
-            </a:r>
-          </a:p>
-        </p:txBody>
-      </p:sp>
     </p:spTree>
     <p:extLst>
       <p:ext uri="{BB962C8B-B14F-4D97-AF65-F5344CB8AC3E}">
@@ -8513,21 +8485,8 @@
             </a:r>
             <a:r>
               <a:rPr lang="en-US" sz="1800" dirty="0" smtClean="0"/>
-              <a:t> </a:t>
-            </a:r>
-            <a:r>
-              <a:rPr lang="en-US" sz="1800" dirty="0" smtClean="0"/>
-              <a:t>resets </a:t>
-            </a:r>
-            <a:r>
-              <a:rPr lang="en-US" sz="1800" dirty="0" smtClean="0"/>
-              <a:t>do motor</a:t>
-            </a:r>
-            <a:r>
-              <a:rPr lang="en-US" sz="1800" dirty="0" smtClean="0"/>
-              <a:t>).</a:t>
-            </a:r>
-            <a:endParaRPr lang="en-US" sz="1800" dirty="0" smtClean="0"/>
+              <a:t> resets do motor).</a:t>
+            </a:r>
           </a:p>
         </p:txBody>
       </p:sp>
@@ -9407,7 +9366,7 @@
           <a:effectLst/>
           <a:extLst>
             <a:ext uri="{91240B29-F687-4f45-9708-019B960494DF}">
-              <a14:hiddenLine xmlns:a14="http://schemas.microsoft.com/office/drawing/2010/main" xmlns="" w="9525">
+              <a14:hiddenLine xmlns="" xmlns:a14="http://schemas.microsoft.com/office/drawing/2010/main" w="9525">
                 <a:solidFill>
                   <a:schemeClr val="tx1"/>
                 </a:solidFill>
@@ -9417,7 +9376,7 @@
               </a14:hiddenLine>
             </a:ext>
             <a:ext uri="{AF507438-7753-43e0-B8FC-AC1667EBCBE1}">
-              <a14:hiddenEffects xmlns:a14="http://schemas.microsoft.com/office/drawing/2010/main" xmlns="">
+              <a14:hiddenEffects xmlns="" xmlns:a14="http://schemas.microsoft.com/office/drawing/2010/main">
                 <a:effectLst>
                   <a:outerShdw dist="35921" dir="2700000" algn="ctr" rotWithShape="0">
                     <a:schemeClr val="bg2"/>
@@ -9809,7 +9768,7 @@
           <a:noFill/>
           <a:extLst>
             <a:ext uri="{909E8E84-426E-40dd-AFC4-6F175D3DCCD1}">
-              <a14:hiddenFill xmlns:a14="http://schemas.microsoft.com/office/drawing/2010/main" xmlns="">
+              <a14:hiddenFill xmlns="" xmlns:a14="http://schemas.microsoft.com/office/drawing/2010/main">
                 <a:solidFill>
                   <a:srgbClr val="FFFFFF"/>
                 </a:solidFill>
